--- a/module_1_Excel Beg to Adv.pptx
+++ b/module_1_Excel Beg to Adv.pptx
@@ -14977,8 +14977,8 @@
         </p:blipFill>
         <p:spPr bwMode="auto">
           <a:xfrm>
-            <a:off x="1966705" y="1158530"/>
-            <a:ext cx="10225295" cy="5204767"/>
+            <a:off x="951230" y="691515"/>
+            <a:ext cx="11094085" cy="5646420"/>
           </a:xfrm>
           <a:prstGeom prst="rect">
             <a:avLst/>
